--- a/doc/Presentation.pptx
+++ b/doc/Presentation.pptx
@@ -14,6 +14,8 @@
     <p:sldId id="262" r:id="rId8"/>
     <p:sldId id="265" r:id="rId9"/>
     <p:sldId id="264" r:id="rId10"/>
+    <p:sldId id="266" r:id="rId11"/>
+    <p:sldId id="267" r:id="rId12"/>
   </p:sldIdLst>
   <p:sldSz cx="12192000" cy="6858000"/>
   <p:notesSz cx="6858000" cy="9144000"/>
@@ -112,6 +114,11 @@
       </a:defRPr>
     </a:lvl9pPr>
   </p:defaultTextStyle>
+  <p:extLst>
+    <p:ext uri="{EFAFB233-063F-42B5-8137-9DF3F51BA10A}">
+      <p15:sldGuideLst xmlns:p15="http://schemas.microsoft.com/office/powerpoint/2012/main"/>
+    </p:ext>
+  </p:extLst>
 </p:presentation>
 </file>
 
@@ -3881,6 +3888,312 @@
 </p:sld>
 </file>
 
+<file path=ppt/slides/slide10.xml><?xml version="1.0" encoding="utf-8"?>
+<p:sld xmlns:a="http://schemas.openxmlformats.org/drawingml/2006/main" xmlns:r="http://schemas.openxmlformats.org/officeDocument/2006/relationships" xmlns:p="http://schemas.openxmlformats.org/presentationml/2006/main">
+  <p:cSld>
+    <p:spTree>
+      <p:nvGrpSpPr>
+        <p:cNvPr id="1" name=""/>
+        <p:cNvGrpSpPr/>
+        <p:nvPr/>
+      </p:nvGrpSpPr>
+      <p:grpSpPr>
+        <a:xfrm>
+          <a:off x="0" y="0"/>
+          <a:ext cx="0" cy="0"/>
+          <a:chOff x="0" y="0"/>
+          <a:chExt cx="0" cy="0"/>
+        </a:xfrm>
+      </p:grpSpPr>
+      <p:sp>
+        <p:nvSpPr>
+          <p:cNvPr id="2" name="Title 1">
+            <a:extLst>
+              <a:ext uri="{FF2B5EF4-FFF2-40B4-BE49-F238E27FC236}">
+                <a16:creationId xmlns:a16="http://schemas.microsoft.com/office/drawing/2014/main" id="{5FAC9CAC-41E9-784A-A6BC-F5657552ACD0}"/>
+              </a:ext>
+            </a:extLst>
+          </p:cNvPr>
+          <p:cNvSpPr>
+            <a:spLocks noGrp="1"/>
+          </p:cNvSpPr>
+          <p:nvPr>
+            <p:ph type="title"/>
+          </p:nvPr>
+        </p:nvSpPr>
+        <p:spPr>
+          <a:xfrm>
+            <a:off x="1371600" y="685800"/>
+            <a:ext cx="3282695" cy="1485900"/>
+          </a:xfrm>
+        </p:spPr>
+        <p:txBody>
+          <a:bodyPr>
+            <a:normAutofit/>
+          </a:bodyPr>
+          <a:lstStyle/>
+          <a:p>
+            <a:r>
+              <a:rPr lang="en-US" dirty="0"/>
+              <a:t>Correction</a:t>
+            </a:r>
+          </a:p>
+        </p:txBody>
+      </p:sp>
+      <p:sp>
+        <p:nvSpPr>
+          <p:cNvPr id="3" name="Content Placeholder 2">
+            <a:extLst>
+              <a:ext uri="{FF2B5EF4-FFF2-40B4-BE49-F238E27FC236}">
+                <a16:creationId xmlns:a16="http://schemas.microsoft.com/office/drawing/2014/main" id="{D035C2E8-8735-9D49-881E-6C7EED1B2713}"/>
+              </a:ext>
+            </a:extLst>
+          </p:cNvPr>
+          <p:cNvSpPr>
+            <a:spLocks noGrp="1"/>
+          </p:cNvSpPr>
+          <p:nvPr>
+            <p:ph idx="1"/>
+          </p:nvPr>
+        </p:nvSpPr>
+        <p:spPr>
+          <a:xfrm>
+            <a:off x="1371601" y="1948649"/>
+            <a:ext cx="3282694" cy="3581400"/>
+          </a:xfrm>
+        </p:spPr>
+        <p:txBody>
+          <a:bodyPr>
+            <a:normAutofit/>
+          </a:bodyPr>
+          <a:lstStyle/>
+          <a:p>
+            <a:r>
+              <a:rPr lang="en-US" sz="2800" dirty="0"/>
+              <a:t>Evaluation</a:t>
+            </a:r>
+          </a:p>
+          <a:p>
+            <a:pPr lvl="1"/>
+            <a:r>
+              <a:rPr lang="en-US" dirty="0"/>
+              <a:t>Precision</a:t>
+            </a:r>
+          </a:p>
+          <a:p>
+            <a:pPr lvl="1"/>
+            <a:r>
+              <a:rPr lang="en-US" dirty="0"/>
+              <a:t>Recall</a:t>
+            </a:r>
+          </a:p>
+          <a:p>
+            <a:pPr marL="530352" lvl="1" indent="0">
+              <a:buNone/>
+            </a:pPr>
+            <a:endParaRPr lang="en-US" dirty="0"/>
+          </a:p>
+        </p:txBody>
+      </p:sp>
+      <p:pic>
+        <p:nvPicPr>
+          <p:cNvPr id="4" name="Picture 3">
+            <a:extLst>
+              <a:ext uri="{FF2B5EF4-FFF2-40B4-BE49-F238E27FC236}">
+                <a16:creationId xmlns:a16="http://schemas.microsoft.com/office/drawing/2014/main" id="{2AFC5F2E-84D6-C94A-B4E3-3FE54050DC74}"/>
+              </a:ext>
+            </a:extLst>
+          </p:cNvPr>
+          <p:cNvPicPr>
+            <a:picLocks noChangeAspect="1"/>
+          </p:cNvPicPr>
+          <p:nvPr/>
+        </p:nvPicPr>
+        <p:blipFill>
+          <a:blip r:embed="rId2"/>
+          <a:stretch>
+            <a:fillRect/>
+          </a:stretch>
+        </p:blipFill>
+        <p:spPr>
+          <a:xfrm>
+            <a:off x="4953130" y="1948649"/>
+            <a:ext cx="5981700" cy="1206500"/>
+          </a:xfrm>
+          <a:prstGeom prst="rect">
+            <a:avLst/>
+          </a:prstGeom>
+        </p:spPr>
+      </p:pic>
+      <p:pic>
+        <p:nvPicPr>
+          <p:cNvPr id="6" name="Picture 5">
+            <a:extLst>
+              <a:ext uri="{FF2B5EF4-FFF2-40B4-BE49-F238E27FC236}">
+                <a16:creationId xmlns:a16="http://schemas.microsoft.com/office/drawing/2014/main" id="{F4A5F6F3-6CB3-2D4C-AA50-895621CBD41A}"/>
+              </a:ext>
+            </a:extLst>
+          </p:cNvPr>
+          <p:cNvPicPr>
+            <a:picLocks noChangeAspect="1"/>
+          </p:cNvPicPr>
+          <p:nvPr/>
+        </p:nvPicPr>
+        <p:blipFill>
+          <a:blip r:embed="rId3"/>
+          <a:stretch>
+            <a:fillRect/>
+          </a:stretch>
+        </p:blipFill>
+        <p:spPr>
+          <a:xfrm>
+            <a:off x="4953130" y="3429000"/>
+            <a:ext cx="5981700" cy="1130300"/>
+          </a:xfrm>
+          <a:prstGeom prst="rect">
+            <a:avLst/>
+          </a:prstGeom>
+        </p:spPr>
+      </p:pic>
+      <p:pic>
+        <p:nvPicPr>
+          <p:cNvPr id="7" name="Picture 6">
+            <a:extLst>
+              <a:ext uri="{FF2B5EF4-FFF2-40B4-BE49-F238E27FC236}">
+                <a16:creationId xmlns:a16="http://schemas.microsoft.com/office/drawing/2014/main" id="{849A0791-E059-6846-A419-FCFB601537A7}"/>
+              </a:ext>
+            </a:extLst>
+          </p:cNvPr>
+          <p:cNvPicPr>
+            <a:picLocks noChangeAspect="1"/>
+          </p:cNvPicPr>
+          <p:nvPr/>
+        </p:nvPicPr>
+        <p:blipFill>
+          <a:blip r:embed="rId4"/>
+          <a:stretch>
+            <a:fillRect/>
+          </a:stretch>
+        </p:blipFill>
+        <p:spPr>
+          <a:xfrm>
+            <a:off x="4953129" y="4833151"/>
+            <a:ext cx="5981699" cy="1143000"/>
+          </a:xfrm>
+          <a:prstGeom prst="rect">
+            <a:avLst/>
+          </a:prstGeom>
+        </p:spPr>
+      </p:pic>
+    </p:spTree>
+    <p:extLst>
+      <p:ext uri="{BB962C8B-B14F-4D97-AF65-F5344CB8AC3E}">
+        <p14:creationId xmlns:p14="http://schemas.microsoft.com/office/powerpoint/2010/main" val="3110544746"/>
+      </p:ext>
+    </p:extLst>
+  </p:cSld>
+  <p:clrMapOvr>
+    <a:masterClrMapping/>
+  </p:clrMapOvr>
+</p:sld>
+</file>
+
+<file path=ppt/slides/slide11.xml><?xml version="1.0" encoding="utf-8"?>
+<p:sld xmlns:a="http://schemas.openxmlformats.org/drawingml/2006/main" xmlns:r="http://schemas.openxmlformats.org/officeDocument/2006/relationships" xmlns:p="http://schemas.openxmlformats.org/presentationml/2006/main">
+  <p:cSld>
+    <p:spTree>
+      <p:nvGrpSpPr>
+        <p:cNvPr id="1" name=""/>
+        <p:cNvGrpSpPr/>
+        <p:nvPr/>
+      </p:nvGrpSpPr>
+      <p:grpSpPr>
+        <a:xfrm>
+          <a:off x="0" y="0"/>
+          <a:ext cx="0" cy="0"/>
+          <a:chOff x="0" y="0"/>
+          <a:chExt cx="0" cy="0"/>
+        </a:xfrm>
+      </p:grpSpPr>
+      <p:sp>
+        <p:nvSpPr>
+          <p:cNvPr id="2" name="Title 1">
+            <a:extLst>
+              <a:ext uri="{FF2B5EF4-FFF2-40B4-BE49-F238E27FC236}">
+                <a16:creationId xmlns:a16="http://schemas.microsoft.com/office/drawing/2014/main" id="{DF35ED38-E2B0-C44A-9C25-A4492316CA32}"/>
+              </a:ext>
+            </a:extLst>
+          </p:cNvPr>
+          <p:cNvSpPr>
+            <a:spLocks noGrp="1"/>
+          </p:cNvSpPr>
+          <p:nvPr>
+            <p:ph type="title"/>
+          </p:nvPr>
+        </p:nvSpPr>
+        <p:spPr>
+          <a:xfrm>
+            <a:off x="1295400" y="1706732"/>
+            <a:ext cx="9601200" cy="1485900"/>
+          </a:xfrm>
+        </p:spPr>
+        <p:txBody>
+          <a:bodyPr>
+            <a:normAutofit/>
+          </a:bodyPr>
+          <a:lstStyle/>
+          <a:p>
+            <a:pPr algn="ctr"/>
+            <a:r>
+              <a:rPr lang="en-US" sz="5400" dirty="0"/>
+              <a:t>Any Questions?</a:t>
+            </a:r>
+          </a:p>
+        </p:txBody>
+      </p:sp>
+      <p:sp>
+        <p:nvSpPr>
+          <p:cNvPr id="3" name="Content Placeholder 2">
+            <a:extLst>
+              <a:ext uri="{FF2B5EF4-FFF2-40B4-BE49-F238E27FC236}">
+                <a16:creationId xmlns:a16="http://schemas.microsoft.com/office/drawing/2014/main" id="{DE39CF0A-C296-EE47-B558-68798EE0CC09}"/>
+              </a:ext>
+            </a:extLst>
+          </p:cNvPr>
+          <p:cNvSpPr>
+            <a:spLocks noGrp="1"/>
+          </p:cNvSpPr>
+          <p:nvPr>
+            <p:ph idx="1"/>
+          </p:nvPr>
+        </p:nvSpPr>
+        <p:spPr>
+          <a:xfrm>
+            <a:off x="1371600" y="2623351"/>
+            <a:ext cx="9601200" cy="3581400"/>
+          </a:xfrm>
+        </p:spPr>
+        <p:txBody>
+          <a:bodyPr/>
+          <a:lstStyle/>
+          <a:p>
+            <a:endParaRPr lang="en-US" dirty="0"/>
+          </a:p>
+        </p:txBody>
+      </p:sp>
+    </p:spTree>
+    <p:extLst>
+      <p:ext uri="{BB962C8B-B14F-4D97-AF65-F5344CB8AC3E}">
+        <p14:creationId xmlns:p14="http://schemas.microsoft.com/office/powerpoint/2010/main" val="1615221291"/>
+      </p:ext>
+    </p:extLst>
+  </p:cSld>
+  <p:clrMapOvr>
+    <a:masterClrMapping/>
+  </p:clrMapOvr>
+</p:sld>
+</file>
+
 <file path=ppt/slides/slide2.xml><?xml version="1.0" encoding="utf-8"?>
 <p:sld xmlns:a="http://schemas.openxmlformats.org/drawingml/2006/main" xmlns:r="http://schemas.openxmlformats.org/officeDocument/2006/relationships" xmlns:p="http://schemas.openxmlformats.org/presentationml/2006/main">
   <p:cSld>
@@ -4795,8 +5108,8 @@
         </p:nvSpPr>
         <p:spPr>
           <a:xfrm>
-            <a:off x="1371600" y="2286000"/>
-            <a:ext cx="3282694" cy="3581400"/>
+            <a:off x="1371599" y="2286000"/>
+            <a:ext cx="3448975" cy="3581400"/>
           </a:xfrm>
         </p:spPr>
         <p:txBody>
@@ -4806,7 +5119,7 @@
           <a:lstStyle/>
           <a:p>
             <a:r>
-              <a:rPr lang="en-US" dirty="0"/>
+              <a:rPr lang="en-US" sz="2400" dirty="0"/>
               <a:t>Probability Calculation</a:t>
             </a:r>
           </a:p>
@@ -4954,7 +5267,7 @@
         <p:spPr>
           <a:xfrm>
             <a:off x="1371600" y="2286000"/>
-            <a:ext cx="3282694" cy="3581400"/>
+            <a:ext cx="3431219" cy="3581400"/>
           </a:xfrm>
         </p:spPr>
         <p:txBody>
@@ -4964,7 +5277,7 @@
           <a:lstStyle/>
           <a:p>
             <a:r>
-              <a:rPr lang="en-US" dirty="0"/>
+              <a:rPr lang="en-US" sz="2400" dirty="0"/>
               <a:t>Probability Calculation</a:t>
             </a:r>
           </a:p>
